--- a/fIT.Documents/Quellen/OAuth2 Schaubild.pptx
+++ b/fIT.Documents/Quellen/OAuth2 Schaubild.pptx
@@ -238,7 +238,7 @@
           <a:p>
             <a:fld id="{4791BAA0-A13B-48EE-B83C-595F996427EF}" type="datetimeFigureOut">
               <a:rPr lang="de-DE" smtClean="0"/>
-              <a:t>27.08.2015</a:t>
+              <a:t>10.09.2015</a:t>
             </a:fld>
             <a:endParaRPr lang="de-DE"/>
           </a:p>
@@ -408,7 +408,7 @@
           <a:p>
             <a:fld id="{4791BAA0-A13B-48EE-B83C-595F996427EF}" type="datetimeFigureOut">
               <a:rPr lang="de-DE" smtClean="0"/>
-              <a:t>27.08.2015</a:t>
+              <a:t>10.09.2015</a:t>
             </a:fld>
             <a:endParaRPr lang="de-DE"/>
           </a:p>
@@ -588,7 +588,7 @@
           <a:p>
             <a:fld id="{4791BAA0-A13B-48EE-B83C-595F996427EF}" type="datetimeFigureOut">
               <a:rPr lang="de-DE" smtClean="0"/>
-              <a:t>27.08.2015</a:t>
+              <a:t>10.09.2015</a:t>
             </a:fld>
             <a:endParaRPr lang="de-DE"/>
           </a:p>
@@ -758,7 +758,7 @@
           <a:p>
             <a:fld id="{4791BAA0-A13B-48EE-B83C-595F996427EF}" type="datetimeFigureOut">
               <a:rPr lang="de-DE" smtClean="0"/>
-              <a:t>27.08.2015</a:t>
+              <a:t>10.09.2015</a:t>
             </a:fld>
             <a:endParaRPr lang="de-DE"/>
           </a:p>
@@ -1004,7 +1004,7 @@
           <a:p>
             <a:fld id="{4791BAA0-A13B-48EE-B83C-595F996427EF}" type="datetimeFigureOut">
               <a:rPr lang="de-DE" smtClean="0"/>
-              <a:t>27.08.2015</a:t>
+              <a:t>10.09.2015</a:t>
             </a:fld>
             <a:endParaRPr lang="de-DE"/>
           </a:p>
@@ -1236,7 +1236,7 @@
           <a:p>
             <a:fld id="{4791BAA0-A13B-48EE-B83C-595F996427EF}" type="datetimeFigureOut">
               <a:rPr lang="de-DE" smtClean="0"/>
-              <a:t>27.08.2015</a:t>
+              <a:t>10.09.2015</a:t>
             </a:fld>
             <a:endParaRPr lang="de-DE"/>
           </a:p>
@@ -1603,7 +1603,7 @@
           <a:p>
             <a:fld id="{4791BAA0-A13B-48EE-B83C-595F996427EF}" type="datetimeFigureOut">
               <a:rPr lang="de-DE" smtClean="0"/>
-              <a:t>27.08.2015</a:t>
+              <a:t>10.09.2015</a:t>
             </a:fld>
             <a:endParaRPr lang="de-DE"/>
           </a:p>
@@ -1721,7 +1721,7 @@
           <a:p>
             <a:fld id="{4791BAA0-A13B-48EE-B83C-595F996427EF}" type="datetimeFigureOut">
               <a:rPr lang="de-DE" smtClean="0"/>
-              <a:t>27.08.2015</a:t>
+              <a:t>10.09.2015</a:t>
             </a:fld>
             <a:endParaRPr lang="de-DE"/>
           </a:p>
@@ -1816,7 +1816,7 @@
           <a:p>
             <a:fld id="{4791BAA0-A13B-48EE-B83C-595F996427EF}" type="datetimeFigureOut">
               <a:rPr lang="de-DE" smtClean="0"/>
-              <a:t>27.08.2015</a:t>
+              <a:t>10.09.2015</a:t>
             </a:fld>
             <a:endParaRPr lang="de-DE"/>
           </a:p>
@@ -2093,7 +2093,7 @@
           <a:p>
             <a:fld id="{4791BAA0-A13B-48EE-B83C-595F996427EF}" type="datetimeFigureOut">
               <a:rPr lang="de-DE" smtClean="0"/>
-              <a:t>27.08.2015</a:t>
+              <a:t>10.09.2015</a:t>
             </a:fld>
             <a:endParaRPr lang="de-DE"/>
           </a:p>
@@ -2346,7 +2346,7 @@
           <a:p>
             <a:fld id="{4791BAA0-A13B-48EE-B83C-595F996427EF}" type="datetimeFigureOut">
               <a:rPr lang="de-DE" smtClean="0"/>
-              <a:t>27.08.2015</a:t>
+              <a:t>10.09.2015</a:t>
             </a:fld>
             <a:endParaRPr lang="de-DE"/>
           </a:p>
@@ -2559,7 +2559,7 @@
           <a:p>
             <a:fld id="{4791BAA0-A13B-48EE-B83C-595F996427EF}" type="datetimeFigureOut">
               <a:rPr lang="de-DE" smtClean="0"/>
-              <a:t>27.08.2015</a:t>
+              <a:t>10.09.2015</a:t>
             </a:fld>
             <a:endParaRPr lang="de-DE"/>
           </a:p>
@@ -3565,7 +3565,7 @@
         <p:spPr>
           <a:xfrm>
             <a:off x="3408231" y="241300"/>
-            <a:ext cx="3686650" cy="369332"/>
+            <a:ext cx="3129446" cy="369332"/>
           </a:xfrm>
           <a:prstGeom prst="rect">
             <a:avLst/>
@@ -3580,7 +3580,15 @@
           <a:p>
             <a:r>
               <a:rPr lang="de-DE" dirty="0" smtClean="0"/>
-              <a:t>1. Client fordert Zugriff auf Ressource</a:t>
+              <a:t>1. </a:t>
+            </a:r>
+            <a:r>
+              <a:rPr lang="de-DE" dirty="0" smtClean="0"/>
+              <a:t>Fordert </a:t>
+            </a:r>
+            <a:r>
+              <a:rPr lang="de-DE" dirty="0" smtClean="0"/>
+              <a:t>Zugriff auf Ressource</a:t>
             </a:r>
             <a:endParaRPr lang="de-DE" dirty="0"/>
           </a:p>
@@ -4045,7 +4053,7 @@
   <a:extraClrSchemeLst/>
   <a:extLst>
     <a:ext uri="{05A4C25C-085E-4340-85A3-A5531E510DB2}">
-      <thm15:themeFamily xmlns:thm15="http://schemas.microsoft.com/office/thememl/2012/main" name="Office Theme" id="{62F939B6-93AF-4DB8-9C6B-D6C7DFDC589F}" vid="{4A3C46E8-61CC-4603-A589-7422A47A8E4A}"/>
+      <thm15:themeFamily xmlns:thm15="http://schemas.microsoft.com/office/thememl/2012/main" xmlns="" name="Office Theme" id="{62F939B6-93AF-4DB8-9C6B-D6C7DFDC589F}" vid="{4A3C46E8-61CC-4603-A589-7422A47A8E4A}"/>
     </a:ext>
   </a:extLst>
 </a:theme>
